--- a/report/Poster RL Project_condor.pptx
+++ b/report/Poster RL Project_condor.pptx
@@ -14908,7 +14908,7 @@
           <a:p>
             <a:r>
               <a:rPr lang="en-US" sz="1600" dirty="0"/>
-              <a:t>The results demonstrate that the RL-derived policy achieves stable long-term population growth under uncertainty, while avoiding excessive intervention. Across repeated simulations, the total wild population increases smoothly over time, with occasional sharp declines caused by stochastic disaster events. These declines typically occur on the order of once every few decades, consistent with the calibrated disaster model, and are followed by gradual recovery driven by intrinsic reproduction and habitat dynamics.</a:t>
+              <a:t>The results demonstrate that the RL-derived policy achieves stable long-term population dynamics under uncertainty, while avoiding excessive intervention. Across repeated simulations, the total wild population increases smoothly over time, with occasional sharp declines caused by stochastic disaster events. These declines typically occur on the order of once every few decades, consistent with the calibrated disaster model, and are followed by gradual recovery driven by intrinsic reproduction and habitat dynamics.</a:t>
             </a:r>
           </a:p>
           <a:p>
@@ -18514,7 +18514,7 @@
         <p:spPr>
           <a:xfrm>
             <a:off x="4678326" y="5326040"/>
-            <a:ext cx="3257776" cy="4496555"/>
+            <a:ext cx="3257776" cy="4767398"/>
           </a:xfrm>
           <a:prstGeom prst="rect">
             <a:avLst/>
@@ -18537,15 +18537,15 @@
             </a:pPr>
             <a:r>
               <a:rPr lang="en-US" sz="1600" dirty="0"/>
-              <a:t>The California condor is one of the world’s most endangered birds, There are only more than 500 birds in the world(less than 400 </a:t>
+              <a:t>The California condor is one of the world’s most </a:t>
             </a:r>
             <a:r>
               <a:rPr lang="en-US" sz="1600"/>
-              <a:t>are wild). It </a:t>
+              <a:t>endangered birds. </a:t>
             </a:r>
             <a:r>
               <a:rPr lang="en-US" sz="1600" dirty="0"/>
-              <a:t>surviving today only through intensive, long-term human conservation efforts.</a:t>
+              <a:t>There are just over 500 California condors worldwide, fewer than 400 of which live in the wild. The species survives today only through intensive, long-term human conservation efforts.</a:t>
             </a:r>
           </a:p>
           <a:p>

--- a/report/Poster RL Project_condor.pptx
+++ b/report/Poster RL Project_condor.pptx
@@ -16362,7 +16362,7 @@
         </p:nvSpPr>
         <p:spPr>
           <a:xfrm>
-            <a:off x="207054" y="16657943"/>
+            <a:off x="207054" y="17321619"/>
             <a:ext cx="7404300" cy="2194386"/>
           </a:xfrm>
           <a:prstGeom prst="rect">
@@ -17104,7 +17104,7 @@
         </p:nvGrpSpPr>
         <p:grpSpPr>
           <a:xfrm>
-            <a:off x="596859" y="16076392"/>
+            <a:off x="596859" y="16645352"/>
             <a:ext cx="2686134" cy="461623"/>
             <a:chOff x="579191" y="23147652"/>
             <a:chExt cx="4029000" cy="692400"/>
@@ -18220,7 +18220,7 @@
         <p:spPr>
           <a:xfrm>
             <a:off x="496695" y="10505538"/>
-            <a:ext cx="7631391" cy="5546073"/>
+            <a:ext cx="7631391" cy="5850772"/>
           </a:xfrm>
           <a:prstGeom prst="rect">
             <a:avLst/>
@@ -18235,6 +18235,19 @@
             <a:spAutoFit/>
           </a:bodyPr>
           <a:lstStyle/>
+          <a:p>
+            <a:pPr lvl="0" algn="just">
+              <a:lnSpc>
+                <a:spcPct val="110000"/>
+              </a:lnSpc>
+            </a:pPr>
+            <a:endParaRPr lang="en-US" sz="1800" b="1" dirty="0">
+              <a:solidFill>
+                <a:schemeClr val="dk1"/>
+              </a:solidFill>
+              <a:latin typeface="Titillium Web"/>
+            </a:endParaRPr>
+          </a:p>
           <a:p>
             <a:pPr lvl="0" algn="just">
               <a:lnSpc>
